--- a/img/diagram.pptx
+++ b/img/diagram.pptx
@@ -197,7 +197,7 @@
           <a:p>
             <a:fld id="{3643305F-3A43-FD4B-9534-CDDF7C037015}" type="datetimeFigureOut">
               <a:rPr lang="en-US" smtClean="0"/>
-              <a:t>4/9/20</a:t>
+              <a:t>4/10/20</a:t>
             </a:fld>
             <a:endParaRPr lang="en-US"/>
           </a:p>
@@ -2066,7 +2066,7 @@
                 </a:solidFill>
                 <a:latin typeface="Calibri"/>
               </a:rPr>
-              <a:t>4/9/20</a:t>
+              <a:t>4/10/20</a:t>
             </a:fld>
             <a:endParaRPr lang="en-US" sz="1200" b="0" strike="noStrike" spc="-1">
               <a:latin typeface="Times New Roman"/>
@@ -2757,13 +2757,13 @@
               </a:lnSpc>
             </a:pPr>
             <a:r>
-              <a:rPr lang="en-US" sz="1800" b="1" strike="noStrike" spc="-1" dirty="0" err="1">
+              <a:rPr lang="en-US" sz="1800" b="1" strike="noStrike" spc="-1" dirty="0">
                 <a:solidFill>
                   <a:srgbClr val="FFFFFF"/>
                 </a:solidFill>
                 <a:latin typeface="Calibri"/>
               </a:rPr>
-              <a:t>WarpX</a:t>
+              <a:t>Nyx</a:t>
             </a:r>
             <a:endParaRPr lang="en-US" sz="1800" b="1" strike="noStrike" spc="-1" dirty="0">
               <a:latin typeface="Arial"/>
